--- a/wiki/Design.pptx
+++ b/wiki/Design.pptx
@@ -1,6 +1,6 @@
 
 <file path=ppt/presentation.xml><?xml version="1.0" encoding="utf-8"?>
-<p:presentation xmlns:a="http://schemas.openxmlformats.org/drawingml/2006/main" xmlns:r="http://schemas.openxmlformats.org/officeDocument/2006/relationships" xmlns:p="http://schemas.openxmlformats.org/presentationml/2006/main" saveSubsetFonts="1" autoCompressPictures="0">
+<p:presentation xmlns:a="http://schemas.openxmlformats.org/drawingml/2006/main" xmlns:r="http://schemas.openxmlformats.org/officeDocument/2006/relationships" xmlns:p="http://schemas.openxmlformats.org/presentationml/2006/main" autoCompressPictures="0">
   <p:sldMasterIdLst>
     <p:sldMasterId id="2147483660" r:id="rId1"/>
   </p:sldMasterIdLst>
@@ -106,6 +106,11 @@
       </a:defRPr>
     </a:lvl9pPr>
   </p:defaultTextStyle>
+  <p:extLst>
+    <p:ext uri="{EFAFB233-063F-42B5-8137-9DF3F51BA10A}">
+      <p15:sldGuideLst xmlns:p15="http://schemas.microsoft.com/office/powerpoint/2012/main"/>
+    </p:ext>
+  </p:extLst>
 </p:presentation>
 </file>
 
@@ -240,7 +245,7 @@
           <a:p>
             <a:fld id="{F688D140-88E9-4442-9BC5-AB5049551E8D}" type="datetimeFigureOut">
               <a:rPr kumimoji="1" lang="ko-Kore-NZ" altLang="en-US" smtClean="0"/>
-              <a:t>2020. 10. 1.</a:t>
+              <a:t>2020. 10. 5.</a:t>
             </a:fld>
             <a:endParaRPr kumimoji="1" lang="ko-Kore-NZ" altLang="en-US"/>
           </a:p>
@@ -410,7 +415,7 @@
           <a:p>
             <a:fld id="{F688D140-88E9-4442-9BC5-AB5049551E8D}" type="datetimeFigureOut">
               <a:rPr kumimoji="1" lang="ko-Kore-NZ" altLang="en-US" smtClean="0"/>
-              <a:t>2020. 10. 1.</a:t>
+              <a:t>2020. 10. 5.</a:t>
             </a:fld>
             <a:endParaRPr kumimoji="1" lang="ko-Kore-NZ" altLang="en-US"/>
           </a:p>
@@ -590,7 +595,7 @@
           <a:p>
             <a:fld id="{F688D140-88E9-4442-9BC5-AB5049551E8D}" type="datetimeFigureOut">
               <a:rPr kumimoji="1" lang="ko-Kore-NZ" altLang="en-US" smtClean="0"/>
-              <a:t>2020. 10. 1.</a:t>
+              <a:t>2020. 10. 5.</a:t>
             </a:fld>
             <a:endParaRPr kumimoji="1" lang="ko-Kore-NZ" altLang="en-US"/>
           </a:p>
@@ -760,7 +765,7 @@
           <a:p>
             <a:fld id="{F688D140-88E9-4442-9BC5-AB5049551E8D}" type="datetimeFigureOut">
               <a:rPr kumimoji="1" lang="ko-Kore-NZ" altLang="en-US" smtClean="0"/>
-              <a:t>2020. 10. 1.</a:t>
+              <a:t>2020. 10. 5.</a:t>
             </a:fld>
             <a:endParaRPr kumimoji="1" lang="ko-Kore-NZ" altLang="en-US"/>
           </a:p>
@@ -1004,7 +1009,7 @@
           <a:p>
             <a:fld id="{F688D140-88E9-4442-9BC5-AB5049551E8D}" type="datetimeFigureOut">
               <a:rPr kumimoji="1" lang="ko-Kore-NZ" altLang="en-US" smtClean="0"/>
-              <a:t>2020. 10. 1.</a:t>
+              <a:t>2020. 10. 5.</a:t>
             </a:fld>
             <a:endParaRPr kumimoji="1" lang="ko-Kore-NZ" altLang="en-US"/>
           </a:p>
@@ -1236,7 +1241,7 @@
           <a:p>
             <a:fld id="{F688D140-88E9-4442-9BC5-AB5049551E8D}" type="datetimeFigureOut">
               <a:rPr kumimoji="1" lang="ko-Kore-NZ" altLang="en-US" smtClean="0"/>
-              <a:t>2020. 10. 1.</a:t>
+              <a:t>2020. 10. 5.</a:t>
             </a:fld>
             <a:endParaRPr kumimoji="1" lang="ko-Kore-NZ" altLang="en-US"/>
           </a:p>
@@ -1603,7 +1608,7 @@
           <a:p>
             <a:fld id="{F688D140-88E9-4442-9BC5-AB5049551E8D}" type="datetimeFigureOut">
               <a:rPr kumimoji="1" lang="ko-Kore-NZ" altLang="en-US" smtClean="0"/>
-              <a:t>2020. 10. 1.</a:t>
+              <a:t>2020. 10. 5.</a:t>
             </a:fld>
             <a:endParaRPr kumimoji="1" lang="ko-Kore-NZ" altLang="en-US"/>
           </a:p>
@@ -1721,7 +1726,7 @@
           <a:p>
             <a:fld id="{F688D140-88E9-4442-9BC5-AB5049551E8D}" type="datetimeFigureOut">
               <a:rPr kumimoji="1" lang="ko-Kore-NZ" altLang="en-US" smtClean="0"/>
-              <a:t>2020. 10. 1.</a:t>
+              <a:t>2020. 10. 5.</a:t>
             </a:fld>
             <a:endParaRPr kumimoji="1" lang="ko-Kore-NZ" altLang="en-US"/>
           </a:p>
@@ -1816,7 +1821,7 @@
           <a:p>
             <a:fld id="{F688D140-88E9-4442-9BC5-AB5049551E8D}" type="datetimeFigureOut">
               <a:rPr kumimoji="1" lang="ko-Kore-NZ" altLang="en-US" smtClean="0"/>
-              <a:t>2020. 10. 1.</a:t>
+              <a:t>2020. 10. 5.</a:t>
             </a:fld>
             <a:endParaRPr kumimoji="1" lang="ko-Kore-NZ" altLang="en-US"/>
           </a:p>
@@ -2093,7 +2098,7 @@
           <a:p>
             <a:fld id="{F688D140-88E9-4442-9BC5-AB5049551E8D}" type="datetimeFigureOut">
               <a:rPr kumimoji="1" lang="ko-Kore-NZ" altLang="en-US" smtClean="0"/>
-              <a:t>2020. 10. 1.</a:t>
+              <a:t>2020. 10. 5.</a:t>
             </a:fld>
             <a:endParaRPr kumimoji="1" lang="ko-Kore-NZ" altLang="en-US"/>
           </a:p>
@@ -2350,7 +2355,7 @@
           <a:p>
             <a:fld id="{F688D140-88E9-4442-9BC5-AB5049551E8D}" type="datetimeFigureOut">
               <a:rPr kumimoji="1" lang="ko-Kore-NZ" altLang="en-US" smtClean="0"/>
-              <a:t>2020. 10. 1.</a:t>
+              <a:t>2020. 10. 5.</a:t>
             </a:fld>
             <a:endParaRPr kumimoji="1" lang="ko-Kore-NZ" altLang="en-US"/>
           </a:p>
@@ -2563,7 +2568,7 @@
           <a:p>
             <a:fld id="{F688D140-88E9-4442-9BC5-AB5049551E8D}" type="datetimeFigureOut">
               <a:rPr kumimoji="1" lang="ko-Kore-NZ" altLang="en-US" smtClean="0"/>
-              <a:t>2020. 10. 1.</a:t>
+              <a:t>2020. 10. 5.</a:t>
             </a:fld>
             <a:endParaRPr kumimoji="1" lang="ko-Kore-NZ" altLang="en-US"/>
           </a:p>
